--- a/ppt/installation_online.pptx
+++ b/ppt/installation_online.pptx
@@ -2759,13 +2759,35 @@
                   <a:srgbClr val="5F5F5F"/>
                 </a:solidFill>
               </a:rPr>
-              <a:t>ownload and unzip RTM_Tutorial.zip</a:t>
-            </a:r>
-            <a:endParaRPr lang="en-US" altLang="zh-TW" sz="1200" dirty="0">
-              <a:solidFill>
-                <a:srgbClr val="5F5F5F"/>
-              </a:solidFill>
-            </a:endParaRPr>
+              <a:t>ownload and unzip RTM_Tutorial.zip.</a:t>
+            </a:r>
+          </a:p>
+          <a:p>
+            <a:pPr marL="0" marR="0" lvl="0" indent="0" algn="l" defTabSz="914400" rtl="0" eaLnBrk="1" fontAlgn="base" latinLnBrk="0" hangingPunct="1">
+              <a:lnSpc>
+                <a:spcPct val="100000"/>
+              </a:lnSpc>
+              <a:spcBef>
+                <a:spcPct val="30000"/>
+              </a:spcBef>
+              <a:spcAft>
+                <a:spcPct val="0"/>
+              </a:spcAft>
+              <a:buClrTx/>
+              <a:buSzTx/>
+              <a:buFontTx/>
+              <a:buNone/>
+              <a:tabLst/>
+              <a:defRPr/>
+            </a:pPr>
+            <a:r>
+              <a:rPr lang="en-US" altLang="zh-TW" sz="1200" dirty="0">
+                <a:solidFill>
+                  <a:srgbClr val="5F5F5F"/>
+                </a:solidFill>
+              </a:rPr>
+              <a:t>Send the URL in chat.</a:t>
+            </a:r>
           </a:p>
           <a:p>
             <a:pPr eaLnBrk="1" hangingPunct="1"/>
@@ -3247,9 +3269,39 @@
           <a:lstStyle/>
           <a:p>
             <a:pPr eaLnBrk="1" hangingPunct="1"/>
-            <a:endParaRPr lang="en-US" altLang="ja-JP">
-              <a:latin typeface="Arial" panose="020B0604020202020204" pitchFamily="34" charset="0"/>
-            </a:endParaRPr>
+            <a:r>
+              <a:rPr lang="en-US" altLang="ja-JP" dirty="0">
+                <a:latin typeface="Arial" panose="020B0604020202020204" pitchFamily="34" charset="0"/>
+              </a:rPr>
+              <a:t>If you haven't installed the software yet, install it during the break.</a:t>
+            </a:r>
+          </a:p>
+          <a:p>
+            <a:pPr marL="0" marR="0" lvl="0" indent="0" algn="l" defTabSz="914400" rtl="0" eaLnBrk="1" fontAlgn="base" latinLnBrk="0" hangingPunct="1">
+              <a:lnSpc>
+                <a:spcPct val="100000"/>
+              </a:lnSpc>
+              <a:spcBef>
+                <a:spcPct val="30000"/>
+              </a:spcBef>
+              <a:spcAft>
+                <a:spcPct val="0"/>
+              </a:spcAft>
+              <a:buClrTx/>
+              <a:buSzTx/>
+              <a:buFontTx/>
+              <a:buNone/>
+              <a:tabLst/>
+              <a:defRPr/>
+            </a:pPr>
+            <a:r>
+              <a:rPr lang="en-US" altLang="zh-TW" sz="1200">
+                <a:solidFill>
+                  <a:srgbClr val="5F5F5F"/>
+                </a:solidFill>
+              </a:rPr>
+              <a:t>Send the URL in chat.</a:t>
+            </a:r>
           </a:p>
         </p:txBody>
       </p:sp>
@@ -6979,7 +7031,7 @@
           <a:graphicData uri="http://schemas.openxmlformats.org/presentationml/2006/ole">
             <mc:AlternateContent xmlns:mc="http://schemas.openxmlformats.org/markup-compatibility/2006">
               <mc:Choice xmlns:v="urn:schemas-microsoft-com:vml" Requires="v">
-                <p:oleObj spid="_x0000_s1432" name="Corel DESIGNER" r:id="rId18" imgW="2743200" imgH="1536480" progId="Corel DESIGNER.Graphic.10">
+                <p:oleObj spid="_x0000_s1435" name="Corel DESIGNER" r:id="rId18" imgW="2743200" imgH="1536480" progId="Corel DESIGNER.Graphic.10">
                   <p:embed/>
                 </p:oleObj>
               </mc:Choice>

--- a/ppt/installation_online.pptx
+++ b/ppt/installation_online.pptx
@@ -7031,7 +7031,7 @@
           <a:graphicData uri="http://schemas.openxmlformats.org/presentationml/2006/ole">
             <mc:AlternateContent xmlns:mc="http://schemas.openxmlformats.org/markup-compatibility/2006">
               <mc:Choice xmlns:v="urn:schemas-microsoft-com:vml" Requires="v">
-                <p:oleObj spid="_x0000_s1435" name="Corel DESIGNER" r:id="rId18" imgW="2743200" imgH="1536480" progId="Corel DESIGNER.Graphic.10">
+                <p:oleObj spid="_x0000_s1436" name="Corel DESIGNER" r:id="rId18" imgW="2743200" imgH="1536480" progId="Corel DESIGNER.Graphic.10">
                   <p:embed/>
                 </p:oleObj>
               </mc:Choice>

--- a/ppt/installation_online.pptx
+++ b/ppt/installation_online.pptx
@@ -7031,7 +7031,7 @@
           <a:graphicData uri="http://schemas.openxmlformats.org/presentationml/2006/ole">
             <mc:AlternateContent xmlns:mc="http://schemas.openxmlformats.org/markup-compatibility/2006">
               <mc:Choice xmlns:v="urn:schemas-microsoft-com:vml" Requires="v">
-                <p:oleObj spid="_x0000_s1436" name="Corel DESIGNER" r:id="rId18" imgW="2743200" imgH="1536480" progId="Corel DESIGNER.Graphic.10">
+                <p:oleObj spid="_x0000_s1438" name="Corel DESIGNER" r:id="rId18" imgW="2743200" imgH="1536480" progId="Corel DESIGNER.Graphic.10">
                   <p:embed/>
                 </p:oleObj>
               </mc:Choice>
@@ -7774,14 +7774,14 @@
           <a:p>
             <a:pPr algn="l" eaLnBrk="1" hangingPunct="1"/>
             <a:r>
-              <a:rPr lang="en-US" altLang="ja-JP" kern="0">
+              <a:rPr lang="en-US" altLang="ja-JP" kern="0" dirty="0">
                 <a:solidFill>
                   <a:srgbClr val="5F5F5F"/>
                 </a:solidFill>
               </a:rPr>
               <a:t>Nobuhiko Miyamoto</a:t>
             </a:r>
-            <a:endParaRPr lang="ja-JP" altLang="en-US" kern="0">
+            <a:endParaRPr lang="ja-JP" altLang="en-US" kern="0" dirty="0">
               <a:solidFill>
                 <a:srgbClr val="5F5F5F"/>
               </a:solidFill>
@@ -7790,14 +7790,14 @@
           <a:p>
             <a:pPr algn="l" eaLnBrk="1" hangingPunct="1"/>
             <a:r>
-              <a:rPr lang="en-US" altLang="ja-JP" sz="2000" kern="0">
+              <a:rPr lang="en-US" altLang="ja-JP" sz="2000" kern="0" dirty="0">
                 <a:solidFill>
                   <a:srgbClr val="5F5F5F"/>
                 </a:solidFill>
               </a:rPr>
               <a:t>National Institute of Advanced Industrial Science and Technology</a:t>
             </a:r>
-            <a:endParaRPr lang="ja-JP" altLang="en-US" sz="2000" kern="0">
+            <a:endParaRPr lang="ja-JP" altLang="en-US" sz="2000" kern="0" dirty="0">
               <a:solidFill>
                 <a:srgbClr val="5F5F5F"/>
               </a:solidFill>
@@ -7806,25 +7806,22 @@
           <a:p>
             <a:pPr algn="l" eaLnBrk="1" hangingPunct="1"/>
             <a:r>
+              <a:rPr lang="en-US" altLang="ja-JP" sz="2000" kern="0" dirty="0">
+                <a:solidFill>
+                  <a:srgbClr val="5F5F5F"/>
+                </a:solidFill>
+              </a:rPr>
+              <a:t>Industrial Cyber-Physical Systems </a:t>
+            </a:r>
+            <a:r>
               <a:rPr lang="en-US" altLang="ja-JP" sz="2000" kern="0">
                 <a:solidFill>
                   <a:srgbClr val="5F5F5F"/>
                 </a:solidFill>
               </a:rPr>
-              <a:t>Industrial Cyber-Physical Systems Research Center</a:t>
-            </a:r>
-          </a:p>
-          <a:p>
-            <a:pPr algn="l" eaLnBrk="1" hangingPunct="1"/>
-            <a:r>
-              <a:rPr lang="en-US" altLang="ja-JP" sz="2000" kern="0">
-                <a:solidFill>
-                  <a:srgbClr val="5F5F5F"/>
-                </a:solidFill>
-              </a:rPr>
-              <a:t>Software Platform Research Team</a:t>
-            </a:r>
-            <a:endParaRPr lang="ja-JP" altLang="en-US" sz="2000" kern="0" dirty="0">
+              <a:t>Research Center</a:t>
+            </a:r>
+            <a:endParaRPr lang="en-US" altLang="ja-JP" sz="2000" kern="0" dirty="0">
               <a:solidFill>
                 <a:srgbClr val="5F5F5F"/>
               </a:solidFill>

--- a/ppt/installation_online.pptx
+++ b/ppt/installation_online.pptx
@@ -7031,7 +7031,7 @@
           <a:graphicData uri="http://schemas.openxmlformats.org/presentationml/2006/ole">
             <mc:AlternateContent xmlns:mc="http://schemas.openxmlformats.org/markup-compatibility/2006">
               <mc:Choice xmlns:v="urn:schemas-microsoft-com:vml" Requires="v">
-                <p:oleObj spid="_x0000_s1438" name="Corel DESIGNER" r:id="rId18" imgW="2743200" imgH="1536480" progId="Corel DESIGNER.Graphic.10">
+                <p:oleObj spid="_x0000_s1441" name="Corel DESIGNER" r:id="rId18" imgW="2743200" imgH="1536480" progId="Corel DESIGNER.Graphic.10">
                   <p:embed/>
                 </p:oleObj>
               </mc:Choice>
@@ -9952,7 +9952,7 @@
         <p:spPr>
           <a:xfrm>
             <a:off x="457200" y="1223963"/>
-            <a:ext cx="7915275" cy="584858"/>
+            <a:ext cx="7915275" cy="4950342"/>
           </a:xfrm>
         </p:spPr>
         <p:txBody>
@@ -9990,7 +9990,7 @@
                   <a:srgbClr val="5F5F5F"/>
                 </a:solidFill>
               </a:rPr>
-              <a:t>https://github.com/OpenRTM/RTM_Tutorial/releases/download/online_0.2/RTM_Tutorial.zip</a:t>
+              <a:t>https://github.com/OpenRTM/RTM_Tutorial/releases/download/20220930/RTM_Tutorial.zip</a:t>
             </a:r>
           </a:p>
         </p:txBody>
@@ -10947,7 +10947,7 @@
                   <a:srgbClr val="5F5F5F"/>
                 </a:solidFill>
               </a:rPr>
-              <a:t>https://github.com/OpenRTM/RTM_Tutorial/releases/download/online_0.2/RTM_Tutorial.zip</a:t>
+              <a:t>https://github.com/OpenRTM/RTM_Tutorial/releases/download/20220930/RTM_Tutorial.zip</a:t>
             </a:r>
             <a:endParaRPr lang="en-US" altLang="ja-JP" sz="2000" dirty="0">
               <a:solidFill>
